--- a/docs/EquipmentSetup/SetupChecklist.pptx
+++ b/docs/EquipmentSetup/SetupChecklist.pptx
@@ -12865,9 +12865,15 @@
         </p:spPr>
         <p:txBody>
           <a:bodyPr>
-            <a:normAutofit lnSpcReduction="10000"/>
+            <a:normAutofit fontScale="92500" lnSpcReduction="20000"/>
           </a:bodyPr>
           <a:lstStyle/>
+          <a:p>
+            <a:r>
+              <a:rPr lang="en-CA" dirty="0"/>
+              <a:t>Make sure you have the most recent stable version. Get comfortable with it.</a:t>
+            </a:r>
+          </a:p>
           <a:p>
             <a:r>
               <a:rPr lang="en-CA" dirty="0"/>
